--- a/ppt 16-9/1267.平安夜里真平.pptx
+++ b/ppt 16-9/1267.平安夜里真平.pptx
@@ -5,7 +5,7 @@
     <p:sldMasterId id="2147483648" r:id="rId1"/>
   </p:sldMasterIdLst>
   <p:sldIdLst>
-    <p:sldId id="816" r:id="rId2"/>
+    <p:sldId id="817" r:id="rId2"/>
   </p:sldIdLst>
   <p:sldSz cx="12192000" cy="6858000"/>
   <p:notesSz cx="6858000" cy="9144000"/>
@@ -129,7 +129,7 @@
           <p:cNvPr id="2" name="标题 1">
             <a:extLst>
               <a:ext uri="{FF2B5EF4-FFF2-40B4-BE49-F238E27FC236}">
-                <a16:creationId xmlns:a16="http://schemas.microsoft.com/office/drawing/2014/main" id="{751971F6-711B-D7F5-AC09-137E25EAE950}"/>
+                <a16:creationId xmlns:a16="http://schemas.microsoft.com/office/drawing/2014/main" id="{C7219F2C-E017-971A-6A14-F4CA456D3487}"/>
               </a:ext>
             </a:extLst>
           </p:cNvPr>
@@ -166,7 +166,7 @@
           <p:cNvPr id="3" name="副标题 2">
             <a:extLst>
               <a:ext uri="{FF2B5EF4-FFF2-40B4-BE49-F238E27FC236}">
-                <a16:creationId xmlns:a16="http://schemas.microsoft.com/office/drawing/2014/main" id="{DF303811-7C83-F006-7203-687B0EA5D71B}"/>
+                <a16:creationId xmlns:a16="http://schemas.microsoft.com/office/drawing/2014/main" id="{37DDF978-4F69-5B60-EB58-510C2DBDD38F}"/>
               </a:ext>
             </a:extLst>
           </p:cNvPr>
@@ -236,7 +236,7 @@
           <p:cNvPr id="4" name="日期占位符 3">
             <a:extLst>
               <a:ext uri="{FF2B5EF4-FFF2-40B4-BE49-F238E27FC236}">
-                <a16:creationId xmlns:a16="http://schemas.microsoft.com/office/drawing/2014/main" id="{51DE9F8A-A5DA-50C8-CD8F-0BDE3645C3C1}"/>
+                <a16:creationId xmlns:a16="http://schemas.microsoft.com/office/drawing/2014/main" id="{5412EC44-2658-2451-7022-80FDA3CBB303}"/>
               </a:ext>
             </a:extLst>
           </p:cNvPr>
@@ -252,7 +252,7 @@
           <a:bodyPr/>
           <a:lstStyle/>
           <a:p>
-            <a:fld id="{39F6A382-C116-45C4-A0DD-F5636DFC3E3B}" type="datetimeFigureOut">
+            <a:fld id="{AD7792FA-5F4B-4AE7-80D8-266D25BC9378}" type="datetimeFigureOut">
               <a:rPr lang="zh-CN" altLang="en-US" smtClean="0"/>
               <a:t>2024/3/10</a:t>
             </a:fld>
@@ -265,7 +265,7 @@
           <p:cNvPr id="5" name="页脚占位符 4">
             <a:extLst>
               <a:ext uri="{FF2B5EF4-FFF2-40B4-BE49-F238E27FC236}">
-                <a16:creationId xmlns:a16="http://schemas.microsoft.com/office/drawing/2014/main" id="{08F32B4C-0EFE-E605-1484-2C3C03B9DA66}"/>
+                <a16:creationId xmlns:a16="http://schemas.microsoft.com/office/drawing/2014/main" id="{1D9C2DB6-15BF-131D-CBA6-92DEEA63465A}"/>
               </a:ext>
             </a:extLst>
           </p:cNvPr>
@@ -290,7 +290,7 @@
           <p:cNvPr id="6" name="灯片编号占位符 5">
             <a:extLst>
               <a:ext uri="{FF2B5EF4-FFF2-40B4-BE49-F238E27FC236}">
-                <a16:creationId xmlns:a16="http://schemas.microsoft.com/office/drawing/2014/main" id="{DCDBA87E-E49F-DB93-1EC4-6A974D8AB687}"/>
+                <a16:creationId xmlns:a16="http://schemas.microsoft.com/office/drawing/2014/main" id="{B03B8146-8C4C-10E7-1963-D1F561923139}"/>
               </a:ext>
             </a:extLst>
           </p:cNvPr>
@@ -306,7 +306,7 @@
           <a:bodyPr/>
           <a:lstStyle/>
           <a:p>
-            <a:fld id="{52067785-61A4-434A-A75F-BE5370DC0B83}" type="slidenum">
+            <a:fld id="{045E67DD-6B79-42BB-85E0-A8C5E32A9487}" type="slidenum">
               <a:rPr lang="zh-CN" altLang="en-US" smtClean="0"/>
               <a:t>‹#›</a:t>
             </a:fld>
@@ -317,7 +317,7 @@
     </p:spTree>
     <p:extLst>
       <p:ext uri="{BB962C8B-B14F-4D97-AF65-F5344CB8AC3E}">
-        <p14:creationId xmlns:p14="http://schemas.microsoft.com/office/powerpoint/2010/main" val="2189106833"/>
+        <p14:creationId xmlns:p14="http://schemas.microsoft.com/office/powerpoint/2010/main" val="1885346409"/>
       </p:ext>
     </p:extLst>
   </p:cSld>
@@ -349,7 +349,7 @@
           <p:cNvPr id="2" name="标题 1">
             <a:extLst>
               <a:ext uri="{FF2B5EF4-FFF2-40B4-BE49-F238E27FC236}">
-                <a16:creationId xmlns:a16="http://schemas.microsoft.com/office/drawing/2014/main" id="{5D9EDE65-FF31-83DE-06A9-F677EA6AF61E}"/>
+                <a16:creationId xmlns:a16="http://schemas.microsoft.com/office/drawing/2014/main" id="{82971FD9-E899-DC59-2BD7-8F9B4B8F9DEC}"/>
               </a:ext>
             </a:extLst>
           </p:cNvPr>
@@ -377,7 +377,7 @@
           <p:cNvPr id="3" name="竖排文字占位符 2">
             <a:extLst>
               <a:ext uri="{FF2B5EF4-FFF2-40B4-BE49-F238E27FC236}">
-                <a16:creationId xmlns:a16="http://schemas.microsoft.com/office/drawing/2014/main" id="{5EC0C885-1727-3070-0B6B-E5CF44D731E3}"/>
+                <a16:creationId xmlns:a16="http://schemas.microsoft.com/office/drawing/2014/main" id="{06E0870E-AC25-C74F-1B85-3082108E27CC}"/>
               </a:ext>
             </a:extLst>
           </p:cNvPr>
@@ -434,7 +434,7 @@
           <p:cNvPr id="4" name="日期占位符 3">
             <a:extLst>
               <a:ext uri="{FF2B5EF4-FFF2-40B4-BE49-F238E27FC236}">
-                <a16:creationId xmlns:a16="http://schemas.microsoft.com/office/drawing/2014/main" id="{819DBB50-59EB-37C6-AD12-109B02556DE0}"/>
+                <a16:creationId xmlns:a16="http://schemas.microsoft.com/office/drawing/2014/main" id="{65A8E3A6-9304-B093-58A3-49333527261F}"/>
               </a:ext>
             </a:extLst>
           </p:cNvPr>
@@ -450,7 +450,7 @@
           <a:bodyPr/>
           <a:lstStyle/>
           <a:p>
-            <a:fld id="{39F6A382-C116-45C4-A0DD-F5636DFC3E3B}" type="datetimeFigureOut">
+            <a:fld id="{AD7792FA-5F4B-4AE7-80D8-266D25BC9378}" type="datetimeFigureOut">
               <a:rPr lang="zh-CN" altLang="en-US" smtClean="0"/>
               <a:t>2024/3/10</a:t>
             </a:fld>
@@ -463,7 +463,7 @@
           <p:cNvPr id="5" name="页脚占位符 4">
             <a:extLst>
               <a:ext uri="{FF2B5EF4-FFF2-40B4-BE49-F238E27FC236}">
-                <a16:creationId xmlns:a16="http://schemas.microsoft.com/office/drawing/2014/main" id="{1DAA1DF7-1E0A-CE20-AD17-9375F3443523}"/>
+                <a16:creationId xmlns:a16="http://schemas.microsoft.com/office/drawing/2014/main" id="{A56F06CF-445C-F745-4F2D-A9E66BD02D19}"/>
               </a:ext>
             </a:extLst>
           </p:cNvPr>
@@ -488,7 +488,7 @@
           <p:cNvPr id="6" name="灯片编号占位符 5">
             <a:extLst>
               <a:ext uri="{FF2B5EF4-FFF2-40B4-BE49-F238E27FC236}">
-                <a16:creationId xmlns:a16="http://schemas.microsoft.com/office/drawing/2014/main" id="{06D7427D-2DF1-A88C-8E05-9533857562C1}"/>
+                <a16:creationId xmlns:a16="http://schemas.microsoft.com/office/drawing/2014/main" id="{42691ED2-21F5-575E-9FFE-8CE0ED03C47E}"/>
               </a:ext>
             </a:extLst>
           </p:cNvPr>
@@ -504,7 +504,7 @@
           <a:bodyPr/>
           <a:lstStyle/>
           <a:p>
-            <a:fld id="{52067785-61A4-434A-A75F-BE5370DC0B83}" type="slidenum">
+            <a:fld id="{045E67DD-6B79-42BB-85E0-A8C5E32A9487}" type="slidenum">
               <a:rPr lang="zh-CN" altLang="en-US" smtClean="0"/>
               <a:t>‹#›</a:t>
             </a:fld>
@@ -515,7 +515,7 @@
     </p:spTree>
     <p:extLst>
       <p:ext uri="{BB962C8B-B14F-4D97-AF65-F5344CB8AC3E}">
-        <p14:creationId xmlns:p14="http://schemas.microsoft.com/office/powerpoint/2010/main" val="3715741795"/>
+        <p14:creationId xmlns:p14="http://schemas.microsoft.com/office/powerpoint/2010/main" val="3091065176"/>
       </p:ext>
     </p:extLst>
   </p:cSld>
@@ -547,7 +547,7 @@
           <p:cNvPr id="2" name="竖排标题 1">
             <a:extLst>
               <a:ext uri="{FF2B5EF4-FFF2-40B4-BE49-F238E27FC236}">
-                <a16:creationId xmlns:a16="http://schemas.microsoft.com/office/drawing/2014/main" id="{E0BD5BD4-D937-ADE4-90DF-4E2950CD3CC1}"/>
+                <a16:creationId xmlns:a16="http://schemas.microsoft.com/office/drawing/2014/main" id="{88EFE07A-DDF7-C22D-7DAE-980FFAE8104D}"/>
               </a:ext>
             </a:extLst>
           </p:cNvPr>
@@ -580,7 +580,7 @@
           <p:cNvPr id="3" name="竖排文字占位符 2">
             <a:extLst>
               <a:ext uri="{FF2B5EF4-FFF2-40B4-BE49-F238E27FC236}">
-                <a16:creationId xmlns:a16="http://schemas.microsoft.com/office/drawing/2014/main" id="{1300C3E4-6D7C-65BD-D20E-6E13FBDB764A}"/>
+                <a16:creationId xmlns:a16="http://schemas.microsoft.com/office/drawing/2014/main" id="{D8EECB67-BDF9-33E6-0061-C2F55B46E18D}"/>
               </a:ext>
             </a:extLst>
           </p:cNvPr>
@@ -642,7 +642,7 @@
           <p:cNvPr id="4" name="日期占位符 3">
             <a:extLst>
               <a:ext uri="{FF2B5EF4-FFF2-40B4-BE49-F238E27FC236}">
-                <a16:creationId xmlns:a16="http://schemas.microsoft.com/office/drawing/2014/main" id="{DF505E68-6B4D-DF6D-6889-5F8AB4812A15}"/>
+                <a16:creationId xmlns:a16="http://schemas.microsoft.com/office/drawing/2014/main" id="{72DFE7B7-9189-8508-8125-3F8F2184C180}"/>
               </a:ext>
             </a:extLst>
           </p:cNvPr>
@@ -658,7 +658,7 @@
           <a:bodyPr/>
           <a:lstStyle/>
           <a:p>
-            <a:fld id="{39F6A382-C116-45C4-A0DD-F5636DFC3E3B}" type="datetimeFigureOut">
+            <a:fld id="{AD7792FA-5F4B-4AE7-80D8-266D25BC9378}" type="datetimeFigureOut">
               <a:rPr lang="zh-CN" altLang="en-US" smtClean="0"/>
               <a:t>2024/3/10</a:t>
             </a:fld>
@@ -671,7 +671,7 @@
           <p:cNvPr id="5" name="页脚占位符 4">
             <a:extLst>
               <a:ext uri="{FF2B5EF4-FFF2-40B4-BE49-F238E27FC236}">
-                <a16:creationId xmlns:a16="http://schemas.microsoft.com/office/drawing/2014/main" id="{B196FE46-861A-81B5-2859-B0DD585E2708}"/>
+                <a16:creationId xmlns:a16="http://schemas.microsoft.com/office/drawing/2014/main" id="{5B2971F5-6303-0978-28EC-422D40A5213C}"/>
               </a:ext>
             </a:extLst>
           </p:cNvPr>
@@ -696,7 +696,7 @@
           <p:cNvPr id="6" name="灯片编号占位符 5">
             <a:extLst>
               <a:ext uri="{FF2B5EF4-FFF2-40B4-BE49-F238E27FC236}">
-                <a16:creationId xmlns:a16="http://schemas.microsoft.com/office/drawing/2014/main" id="{2ABB29DE-314D-4A9C-A7C0-B55E4C79C297}"/>
+                <a16:creationId xmlns:a16="http://schemas.microsoft.com/office/drawing/2014/main" id="{9B913AFF-A025-C4E1-E25A-569047B820B2}"/>
               </a:ext>
             </a:extLst>
           </p:cNvPr>
@@ -712,7 +712,7 @@
           <a:bodyPr/>
           <a:lstStyle/>
           <a:p>
-            <a:fld id="{52067785-61A4-434A-A75F-BE5370DC0B83}" type="slidenum">
+            <a:fld id="{045E67DD-6B79-42BB-85E0-A8C5E32A9487}" type="slidenum">
               <a:rPr lang="zh-CN" altLang="en-US" smtClean="0"/>
               <a:t>‹#›</a:t>
             </a:fld>
@@ -723,7 +723,7 @@
     </p:spTree>
     <p:extLst>
       <p:ext uri="{BB962C8B-B14F-4D97-AF65-F5344CB8AC3E}">
-        <p14:creationId xmlns:p14="http://schemas.microsoft.com/office/powerpoint/2010/main" val="3620045956"/>
+        <p14:creationId xmlns:p14="http://schemas.microsoft.com/office/powerpoint/2010/main" val="2874892539"/>
       </p:ext>
     </p:extLst>
   </p:cSld>
@@ -755,7 +755,7 @@
           <p:cNvPr id="2" name="标题 1">
             <a:extLst>
               <a:ext uri="{FF2B5EF4-FFF2-40B4-BE49-F238E27FC236}">
-                <a16:creationId xmlns:a16="http://schemas.microsoft.com/office/drawing/2014/main" id="{E774C275-39EE-0607-C09E-B36C04A1E496}"/>
+                <a16:creationId xmlns:a16="http://schemas.microsoft.com/office/drawing/2014/main" id="{B6652AF8-ACB5-DAB7-3409-525B6DD632FE}"/>
               </a:ext>
             </a:extLst>
           </p:cNvPr>
@@ -783,7 +783,7 @@
           <p:cNvPr id="3" name="内容占位符 2">
             <a:extLst>
               <a:ext uri="{FF2B5EF4-FFF2-40B4-BE49-F238E27FC236}">
-                <a16:creationId xmlns:a16="http://schemas.microsoft.com/office/drawing/2014/main" id="{E88F99E2-DDE2-402B-BCD2-484F9BA2D285}"/>
+                <a16:creationId xmlns:a16="http://schemas.microsoft.com/office/drawing/2014/main" id="{97FBFB7B-69F7-A9A3-F46A-1FBDF7620750}"/>
               </a:ext>
             </a:extLst>
           </p:cNvPr>
@@ -840,7 +840,7 @@
           <p:cNvPr id="4" name="日期占位符 3">
             <a:extLst>
               <a:ext uri="{FF2B5EF4-FFF2-40B4-BE49-F238E27FC236}">
-                <a16:creationId xmlns:a16="http://schemas.microsoft.com/office/drawing/2014/main" id="{CC7FDB01-ADF2-64C9-5CC3-8D034BEEB895}"/>
+                <a16:creationId xmlns:a16="http://schemas.microsoft.com/office/drawing/2014/main" id="{98DFFAE7-BC5C-4E17-4862-795184266368}"/>
               </a:ext>
             </a:extLst>
           </p:cNvPr>
@@ -856,7 +856,7 @@
           <a:bodyPr/>
           <a:lstStyle/>
           <a:p>
-            <a:fld id="{39F6A382-C116-45C4-A0DD-F5636DFC3E3B}" type="datetimeFigureOut">
+            <a:fld id="{AD7792FA-5F4B-4AE7-80D8-266D25BC9378}" type="datetimeFigureOut">
               <a:rPr lang="zh-CN" altLang="en-US" smtClean="0"/>
               <a:t>2024/3/10</a:t>
             </a:fld>
@@ -869,7 +869,7 @@
           <p:cNvPr id="5" name="页脚占位符 4">
             <a:extLst>
               <a:ext uri="{FF2B5EF4-FFF2-40B4-BE49-F238E27FC236}">
-                <a16:creationId xmlns:a16="http://schemas.microsoft.com/office/drawing/2014/main" id="{54D2B2FF-B1F1-D939-5A0B-973479F96975}"/>
+                <a16:creationId xmlns:a16="http://schemas.microsoft.com/office/drawing/2014/main" id="{F4325766-BE65-1254-0ECA-6E38701286BA}"/>
               </a:ext>
             </a:extLst>
           </p:cNvPr>
@@ -894,7 +894,7 @@
           <p:cNvPr id="6" name="灯片编号占位符 5">
             <a:extLst>
               <a:ext uri="{FF2B5EF4-FFF2-40B4-BE49-F238E27FC236}">
-                <a16:creationId xmlns:a16="http://schemas.microsoft.com/office/drawing/2014/main" id="{31A3B359-A6B6-4971-668B-C303BD3418BC}"/>
+                <a16:creationId xmlns:a16="http://schemas.microsoft.com/office/drawing/2014/main" id="{E6B297E6-F004-60D3-4E83-BC00615FBE4C}"/>
               </a:ext>
             </a:extLst>
           </p:cNvPr>
@@ -910,7 +910,7 @@
           <a:bodyPr/>
           <a:lstStyle/>
           <a:p>
-            <a:fld id="{52067785-61A4-434A-A75F-BE5370DC0B83}" type="slidenum">
+            <a:fld id="{045E67DD-6B79-42BB-85E0-A8C5E32A9487}" type="slidenum">
               <a:rPr lang="zh-CN" altLang="en-US" smtClean="0"/>
               <a:t>‹#›</a:t>
             </a:fld>
@@ -921,7 +921,7 @@
     </p:spTree>
     <p:extLst>
       <p:ext uri="{BB962C8B-B14F-4D97-AF65-F5344CB8AC3E}">
-        <p14:creationId xmlns:p14="http://schemas.microsoft.com/office/powerpoint/2010/main" val="4083566152"/>
+        <p14:creationId xmlns:p14="http://schemas.microsoft.com/office/powerpoint/2010/main" val="2381647848"/>
       </p:ext>
     </p:extLst>
   </p:cSld>
@@ -953,7 +953,7 @@
           <p:cNvPr id="2" name="标题 1">
             <a:extLst>
               <a:ext uri="{FF2B5EF4-FFF2-40B4-BE49-F238E27FC236}">
-                <a16:creationId xmlns:a16="http://schemas.microsoft.com/office/drawing/2014/main" id="{995B17C5-EABD-58E9-86A9-34C33A2FA5FB}"/>
+                <a16:creationId xmlns:a16="http://schemas.microsoft.com/office/drawing/2014/main" id="{44F407A0-AFD6-7B1D-F309-1F86D003AEE5}"/>
               </a:ext>
             </a:extLst>
           </p:cNvPr>
@@ -990,7 +990,7 @@
           <p:cNvPr id="3" name="文本占位符 2">
             <a:extLst>
               <a:ext uri="{FF2B5EF4-FFF2-40B4-BE49-F238E27FC236}">
-                <a16:creationId xmlns:a16="http://schemas.microsoft.com/office/drawing/2014/main" id="{2E7A9B1C-C651-400B-7673-CB107CFC8B11}"/>
+                <a16:creationId xmlns:a16="http://schemas.microsoft.com/office/drawing/2014/main" id="{DA9DAC62-B409-0532-FB58-AF450E7695AA}"/>
               </a:ext>
             </a:extLst>
           </p:cNvPr>
@@ -1115,7 +1115,7 @@
           <p:cNvPr id="4" name="日期占位符 3">
             <a:extLst>
               <a:ext uri="{FF2B5EF4-FFF2-40B4-BE49-F238E27FC236}">
-                <a16:creationId xmlns:a16="http://schemas.microsoft.com/office/drawing/2014/main" id="{01257C2B-C22B-CE9C-ED9E-BC76BF64E8FC}"/>
+                <a16:creationId xmlns:a16="http://schemas.microsoft.com/office/drawing/2014/main" id="{986A10AE-4A83-59B3-6453-64ED99FCD515}"/>
               </a:ext>
             </a:extLst>
           </p:cNvPr>
@@ -1131,7 +1131,7 @@
           <a:bodyPr/>
           <a:lstStyle/>
           <a:p>
-            <a:fld id="{39F6A382-C116-45C4-A0DD-F5636DFC3E3B}" type="datetimeFigureOut">
+            <a:fld id="{AD7792FA-5F4B-4AE7-80D8-266D25BC9378}" type="datetimeFigureOut">
               <a:rPr lang="zh-CN" altLang="en-US" smtClean="0"/>
               <a:t>2024/3/10</a:t>
             </a:fld>
@@ -1144,7 +1144,7 @@
           <p:cNvPr id="5" name="页脚占位符 4">
             <a:extLst>
               <a:ext uri="{FF2B5EF4-FFF2-40B4-BE49-F238E27FC236}">
-                <a16:creationId xmlns:a16="http://schemas.microsoft.com/office/drawing/2014/main" id="{A9C150A2-E202-EF55-149B-51323728E5E8}"/>
+                <a16:creationId xmlns:a16="http://schemas.microsoft.com/office/drawing/2014/main" id="{0C8399A0-10AC-0B1D-7537-2879229CD8B6}"/>
               </a:ext>
             </a:extLst>
           </p:cNvPr>
@@ -1169,7 +1169,7 @@
           <p:cNvPr id="6" name="灯片编号占位符 5">
             <a:extLst>
               <a:ext uri="{FF2B5EF4-FFF2-40B4-BE49-F238E27FC236}">
-                <a16:creationId xmlns:a16="http://schemas.microsoft.com/office/drawing/2014/main" id="{9393C135-DD75-84D0-004D-75E1A1DCB08F}"/>
+                <a16:creationId xmlns:a16="http://schemas.microsoft.com/office/drawing/2014/main" id="{AE808D6D-890B-7157-0D16-5A30782552F8}"/>
               </a:ext>
             </a:extLst>
           </p:cNvPr>
@@ -1185,7 +1185,7 @@
           <a:bodyPr/>
           <a:lstStyle/>
           <a:p>
-            <a:fld id="{52067785-61A4-434A-A75F-BE5370DC0B83}" type="slidenum">
+            <a:fld id="{045E67DD-6B79-42BB-85E0-A8C5E32A9487}" type="slidenum">
               <a:rPr lang="zh-CN" altLang="en-US" smtClean="0"/>
               <a:t>‹#›</a:t>
             </a:fld>
@@ -1196,7 +1196,7 @@
     </p:spTree>
     <p:extLst>
       <p:ext uri="{BB962C8B-B14F-4D97-AF65-F5344CB8AC3E}">
-        <p14:creationId xmlns:p14="http://schemas.microsoft.com/office/powerpoint/2010/main" val="624674261"/>
+        <p14:creationId xmlns:p14="http://schemas.microsoft.com/office/powerpoint/2010/main" val="2649992433"/>
       </p:ext>
     </p:extLst>
   </p:cSld>
@@ -1228,7 +1228,7 @@
           <p:cNvPr id="2" name="标题 1">
             <a:extLst>
               <a:ext uri="{FF2B5EF4-FFF2-40B4-BE49-F238E27FC236}">
-                <a16:creationId xmlns:a16="http://schemas.microsoft.com/office/drawing/2014/main" id="{33BE6327-F59C-17B0-0BB1-091876FCDA9E}"/>
+                <a16:creationId xmlns:a16="http://schemas.microsoft.com/office/drawing/2014/main" id="{F7A80617-E935-1A38-2BF9-3A8FDB190A70}"/>
               </a:ext>
             </a:extLst>
           </p:cNvPr>
@@ -1256,7 +1256,7 @@
           <p:cNvPr id="3" name="内容占位符 2">
             <a:extLst>
               <a:ext uri="{FF2B5EF4-FFF2-40B4-BE49-F238E27FC236}">
-                <a16:creationId xmlns:a16="http://schemas.microsoft.com/office/drawing/2014/main" id="{8AAF14BD-AA88-A7A6-4242-DDB101DE66BC}"/>
+                <a16:creationId xmlns:a16="http://schemas.microsoft.com/office/drawing/2014/main" id="{8380ABB8-C488-52D2-049C-C60C45F00E42}"/>
               </a:ext>
             </a:extLst>
           </p:cNvPr>
@@ -1318,7 +1318,7 @@
           <p:cNvPr id="4" name="内容占位符 3">
             <a:extLst>
               <a:ext uri="{FF2B5EF4-FFF2-40B4-BE49-F238E27FC236}">
-                <a16:creationId xmlns:a16="http://schemas.microsoft.com/office/drawing/2014/main" id="{3E1D4C1A-33DB-46F1-115C-2C7B42F5C6A5}"/>
+                <a16:creationId xmlns:a16="http://schemas.microsoft.com/office/drawing/2014/main" id="{40877900-0DEF-E853-6634-8189AE8D2036}"/>
               </a:ext>
             </a:extLst>
           </p:cNvPr>
@@ -1380,7 +1380,7 @@
           <p:cNvPr id="5" name="日期占位符 4">
             <a:extLst>
               <a:ext uri="{FF2B5EF4-FFF2-40B4-BE49-F238E27FC236}">
-                <a16:creationId xmlns:a16="http://schemas.microsoft.com/office/drawing/2014/main" id="{B1921118-5CA1-0740-9D8A-0745A344D51A}"/>
+                <a16:creationId xmlns:a16="http://schemas.microsoft.com/office/drawing/2014/main" id="{9F99301E-9218-BB09-0129-C1C44142595D}"/>
               </a:ext>
             </a:extLst>
           </p:cNvPr>
@@ -1396,7 +1396,7 @@
           <a:bodyPr/>
           <a:lstStyle/>
           <a:p>
-            <a:fld id="{39F6A382-C116-45C4-A0DD-F5636DFC3E3B}" type="datetimeFigureOut">
+            <a:fld id="{AD7792FA-5F4B-4AE7-80D8-266D25BC9378}" type="datetimeFigureOut">
               <a:rPr lang="zh-CN" altLang="en-US" smtClean="0"/>
               <a:t>2024/3/10</a:t>
             </a:fld>
@@ -1409,7 +1409,7 @@
           <p:cNvPr id="6" name="页脚占位符 5">
             <a:extLst>
               <a:ext uri="{FF2B5EF4-FFF2-40B4-BE49-F238E27FC236}">
-                <a16:creationId xmlns:a16="http://schemas.microsoft.com/office/drawing/2014/main" id="{71138C91-EDC1-CCF3-86ED-9A8AABBC8EF2}"/>
+                <a16:creationId xmlns:a16="http://schemas.microsoft.com/office/drawing/2014/main" id="{901A6D08-F0A2-D7E1-B43B-61243738A179}"/>
               </a:ext>
             </a:extLst>
           </p:cNvPr>
@@ -1434,7 +1434,7 @@
           <p:cNvPr id="7" name="灯片编号占位符 6">
             <a:extLst>
               <a:ext uri="{FF2B5EF4-FFF2-40B4-BE49-F238E27FC236}">
-                <a16:creationId xmlns:a16="http://schemas.microsoft.com/office/drawing/2014/main" id="{6A437061-56C5-694F-7FC8-65F60CE0E6A0}"/>
+                <a16:creationId xmlns:a16="http://schemas.microsoft.com/office/drawing/2014/main" id="{3EC3699A-F7BC-2D0B-60F2-66CA72A3699A}"/>
               </a:ext>
             </a:extLst>
           </p:cNvPr>
@@ -1450,7 +1450,7 @@
           <a:bodyPr/>
           <a:lstStyle/>
           <a:p>
-            <a:fld id="{52067785-61A4-434A-A75F-BE5370DC0B83}" type="slidenum">
+            <a:fld id="{045E67DD-6B79-42BB-85E0-A8C5E32A9487}" type="slidenum">
               <a:rPr lang="zh-CN" altLang="en-US" smtClean="0"/>
               <a:t>‹#›</a:t>
             </a:fld>
@@ -1461,7 +1461,7 @@
     </p:spTree>
     <p:extLst>
       <p:ext uri="{BB962C8B-B14F-4D97-AF65-F5344CB8AC3E}">
-        <p14:creationId xmlns:p14="http://schemas.microsoft.com/office/powerpoint/2010/main" val="3956381395"/>
+        <p14:creationId xmlns:p14="http://schemas.microsoft.com/office/powerpoint/2010/main" val="882393686"/>
       </p:ext>
     </p:extLst>
   </p:cSld>
@@ -1493,7 +1493,7 @@
           <p:cNvPr id="2" name="标题 1">
             <a:extLst>
               <a:ext uri="{FF2B5EF4-FFF2-40B4-BE49-F238E27FC236}">
-                <a16:creationId xmlns:a16="http://schemas.microsoft.com/office/drawing/2014/main" id="{BA35F3A4-4A14-A1C5-F0F8-59065D8CFFB1}"/>
+                <a16:creationId xmlns:a16="http://schemas.microsoft.com/office/drawing/2014/main" id="{9A1314F7-7B5A-EA55-0129-E3DC7A01AD80}"/>
               </a:ext>
             </a:extLst>
           </p:cNvPr>
@@ -1526,7 +1526,7 @@
           <p:cNvPr id="3" name="文本占位符 2">
             <a:extLst>
               <a:ext uri="{FF2B5EF4-FFF2-40B4-BE49-F238E27FC236}">
-                <a16:creationId xmlns:a16="http://schemas.microsoft.com/office/drawing/2014/main" id="{1B58B1B7-6553-05F1-C80F-99D3247DB6DB}"/>
+                <a16:creationId xmlns:a16="http://schemas.microsoft.com/office/drawing/2014/main" id="{5F2DC242-0824-FD8A-A5E4-1B1D8FA53BF4}"/>
               </a:ext>
             </a:extLst>
           </p:cNvPr>
@@ -1597,7 +1597,7 @@
           <p:cNvPr id="4" name="内容占位符 3">
             <a:extLst>
               <a:ext uri="{FF2B5EF4-FFF2-40B4-BE49-F238E27FC236}">
-                <a16:creationId xmlns:a16="http://schemas.microsoft.com/office/drawing/2014/main" id="{DD55C987-55E7-0780-018A-43414492A2C1}"/>
+                <a16:creationId xmlns:a16="http://schemas.microsoft.com/office/drawing/2014/main" id="{37703690-3AB5-A616-CF87-E69ACD8780FA}"/>
               </a:ext>
             </a:extLst>
           </p:cNvPr>
@@ -1659,7 +1659,7 @@
           <p:cNvPr id="5" name="文本占位符 4">
             <a:extLst>
               <a:ext uri="{FF2B5EF4-FFF2-40B4-BE49-F238E27FC236}">
-                <a16:creationId xmlns:a16="http://schemas.microsoft.com/office/drawing/2014/main" id="{59736120-4DF5-F42F-F69C-374A608B039C}"/>
+                <a16:creationId xmlns:a16="http://schemas.microsoft.com/office/drawing/2014/main" id="{CD245C37-AB3B-656C-7617-2E9722E2C9DD}"/>
               </a:ext>
             </a:extLst>
           </p:cNvPr>
@@ -1730,7 +1730,7 @@
           <p:cNvPr id="6" name="内容占位符 5">
             <a:extLst>
               <a:ext uri="{FF2B5EF4-FFF2-40B4-BE49-F238E27FC236}">
-                <a16:creationId xmlns:a16="http://schemas.microsoft.com/office/drawing/2014/main" id="{8C3658D4-5C85-2ED9-9296-E76306D08BF4}"/>
+                <a16:creationId xmlns:a16="http://schemas.microsoft.com/office/drawing/2014/main" id="{C95C52A7-37D0-F6C7-58C5-B65612647EF6}"/>
               </a:ext>
             </a:extLst>
           </p:cNvPr>
@@ -1792,7 +1792,7 @@
           <p:cNvPr id="7" name="日期占位符 6">
             <a:extLst>
               <a:ext uri="{FF2B5EF4-FFF2-40B4-BE49-F238E27FC236}">
-                <a16:creationId xmlns:a16="http://schemas.microsoft.com/office/drawing/2014/main" id="{CBB1C182-47A5-990B-A9B1-821E234E3609}"/>
+                <a16:creationId xmlns:a16="http://schemas.microsoft.com/office/drawing/2014/main" id="{500A552F-EA10-6400-6B96-669839DD406C}"/>
               </a:ext>
             </a:extLst>
           </p:cNvPr>
@@ -1808,7 +1808,7 @@
           <a:bodyPr/>
           <a:lstStyle/>
           <a:p>
-            <a:fld id="{39F6A382-C116-45C4-A0DD-F5636DFC3E3B}" type="datetimeFigureOut">
+            <a:fld id="{AD7792FA-5F4B-4AE7-80D8-266D25BC9378}" type="datetimeFigureOut">
               <a:rPr lang="zh-CN" altLang="en-US" smtClean="0"/>
               <a:t>2024/3/10</a:t>
             </a:fld>
@@ -1821,7 +1821,7 @@
           <p:cNvPr id="8" name="页脚占位符 7">
             <a:extLst>
               <a:ext uri="{FF2B5EF4-FFF2-40B4-BE49-F238E27FC236}">
-                <a16:creationId xmlns:a16="http://schemas.microsoft.com/office/drawing/2014/main" id="{07109BC0-AC0B-FD04-B772-DB24F2F25338}"/>
+                <a16:creationId xmlns:a16="http://schemas.microsoft.com/office/drawing/2014/main" id="{7F88D1B4-FCE0-BAA3-FD7B-C9EE11461681}"/>
               </a:ext>
             </a:extLst>
           </p:cNvPr>
@@ -1846,7 +1846,7 @@
           <p:cNvPr id="9" name="灯片编号占位符 8">
             <a:extLst>
               <a:ext uri="{FF2B5EF4-FFF2-40B4-BE49-F238E27FC236}">
-                <a16:creationId xmlns:a16="http://schemas.microsoft.com/office/drawing/2014/main" id="{B55717D4-D429-6D08-C06B-3B4F899AFC89}"/>
+                <a16:creationId xmlns:a16="http://schemas.microsoft.com/office/drawing/2014/main" id="{B6A16284-F60D-0B4C-F9E3-2A6007202817}"/>
               </a:ext>
             </a:extLst>
           </p:cNvPr>
@@ -1862,7 +1862,7 @@
           <a:bodyPr/>
           <a:lstStyle/>
           <a:p>
-            <a:fld id="{52067785-61A4-434A-A75F-BE5370DC0B83}" type="slidenum">
+            <a:fld id="{045E67DD-6B79-42BB-85E0-A8C5E32A9487}" type="slidenum">
               <a:rPr lang="zh-CN" altLang="en-US" smtClean="0"/>
               <a:t>‹#›</a:t>
             </a:fld>
@@ -1873,7 +1873,7 @@
     </p:spTree>
     <p:extLst>
       <p:ext uri="{BB962C8B-B14F-4D97-AF65-F5344CB8AC3E}">
-        <p14:creationId xmlns:p14="http://schemas.microsoft.com/office/powerpoint/2010/main" val="1458423069"/>
+        <p14:creationId xmlns:p14="http://schemas.microsoft.com/office/powerpoint/2010/main" val="933758565"/>
       </p:ext>
     </p:extLst>
   </p:cSld>
@@ -1905,7 +1905,7 @@
           <p:cNvPr id="2" name="标题 1">
             <a:extLst>
               <a:ext uri="{FF2B5EF4-FFF2-40B4-BE49-F238E27FC236}">
-                <a16:creationId xmlns:a16="http://schemas.microsoft.com/office/drawing/2014/main" id="{712C7A94-2286-0A90-4263-E6E4FDB0B52D}"/>
+                <a16:creationId xmlns:a16="http://schemas.microsoft.com/office/drawing/2014/main" id="{6A75579E-0963-65EB-2ED4-EFF297A2C2B8}"/>
               </a:ext>
             </a:extLst>
           </p:cNvPr>
@@ -1933,7 +1933,7 @@
           <p:cNvPr id="3" name="日期占位符 2">
             <a:extLst>
               <a:ext uri="{FF2B5EF4-FFF2-40B4-BE49-F238E27FC236}">
-                <a16:creationId xmlns:a16="http://schemas.microsoft.com/office/drawing/2014/main" id="{7B466BAE-CE2C-0B1C-8021-653347DE65C5}"/>
+                <a16:creationId xmlns:a16="http://schemas.microsoft.com/office/drawing/2014/main" id="{F8BB4E7F-2EAE-9889-84BC-D31A02D33696}"/>
               </a:ext>
             </a:extLst>
           </p:cNvPr>
@@ -1949,7 +1949,7 @@
           <a:bodyPr/>
           <a:lstStyle/>
           <a:p>
-            <a:fld id="{39F6A382-C116-45C4-A0DD-F5636DFC3E3B}" type="datetimeFigureOut">
+            <a:fld id="{AD7792FA-5F4B-4AE7-80D8-266D25BC9378}" type="datetimeFigureOut">
               <a:rPr lang="zh-CN" altLang="en-US" smtClean="0"/>
               <a:t>2024/3/10</a:t>
             </a:fld>
@@ -1962,7 +1962,7 @@
           <p:cNvPr id="4" name="页脚占位符 3">
             <a:extLst>
               <a:ext uri="{FF2B5EF4-FFF2-40B4-BE49-F238E27FC236}">
-                <a16:creationId xmlns:a16="http://schemas.microsoft.com/office/drawing/2014/main" id="{D9A4AD1B-812A-6D94-A018-3E331F3B7B14}"/>
+                <a16:creationId xmlns:a16="http://schemas.microsoft.com/office/drawing/2014/main" id="{2A90E209-7D07-11A9-DCD3-F36535DE4191}"/>
               </a:ext>
             </a:extLst>
           </p:cNvPr>
@@ -1987,7 +1987,7 @@
           <p:cNvPr id="5" name="灯片编号占位符 4">
             <a:extLst>
               <a:ext uri="{FF2B5EF4-FFF2-40B4-BE49-F238E27FC236}">
-                <a16:creationId xmlns:a16="http://schemas.microsoft.com/office/drawing/2014/main" id="{41E6FC4C-ACE1-0FCE-8A9D-8BA88405BE22}"/>
+                <a16:creationId xmlns:a16="http://schemas.microsoft.com/office/drawing/2014/main" id="{853A0611-7351-BAD0-31B1-BF5A3351E1A3}"/>
               </a:ext>
             </a:extLst>
           </p:cNvPr>
@@ -2003,7 +2003,7 @@
           <a:bodyPr/>
           <a:lstStyle/>
           <a:p>
-            <a:fld id="{52067785-61A4-434A-A75F-BE5370DC0B83}" type="slidenum">
+            <a:fld id="{045E67DD-6B79-42BB-85E0-A8C5E32A9487}" type="slidenum">
               <a:rPr lang="zh-CN" altLang="en-US" smtClean="0"/>
               <a:t>‹#›</a:t>
             </a:fld>
@@ -2014,7 +2014,7 @@
     </p:spTree>
     <p:extLst>
       <p:ext uri="{BB962C8B-B14F-4D97-AF65-F5344CB8AC3E}">
-        <p14:creationId xmlns:p14="http://schemas.microsoft.com/office/powerpoint/2010/main" val="2952479784"/>
+        <p14:creationId xmlns:p14="http://schemas.microsoft.com/office/powerpoint/2010/main" val="1747231303"/>
       </p:ext>
     </p:extLst>
   </p:cSld>
@@ -2046,7 +2046,7 @@
           <p:cNvPr id="2" name="日期占位符 1">
             <a:extLst>
               <a:ext uri="{FF2B5EF4-FFF2-40B4-BE49-F238E27FC236}">
-                <a16:creationId xmlns:a16="http://schemas.microsoft.com/office/drawing/2014/main" id="{9E9F4394-C172-672B-77BD-F7DD42C4AB51}"/>
+                <a16:creationId xmlns:a16="http://schemas.microsoft.com/office/drawing/2014/main" id="{E1A02E88-9A24-F03A-5488-B579E8DA3783}"/>
               </a:ext>
             </a:extLst>
           </p:cNvPr>
@@ -2062,7 +2062,7 @@
           <a:bodyPr/>
           <a:lstStyle/>
           <a:p>
-            <a:fld id="{39F6A382-C116-45C4-A0DD-F5636DFC3E3B}" type="datetimeFigureOut">
+            <a:fld id="{AD7792FA-5F4B-4AE7-80D8-266D25BC9378}" type="datetimeFigureOut">
               <a:rPr lang="zh-CN" altLang="en-US" smtClean="0"/>
               <a:t>2024/3/10</a:t>
             </a:fld>
@@ -2075,7 +2075,7 @@
           <p:cNvPr id="3" name="页脚占位符 2">
             <a:extLst>
               <a:ext uri="{FF2B5EF4-FFF2-40B4-BE49-F238E27FC236}">
-                <a16:creationId xmlns:a16="http://schemas.microsoft.com/office/drawing/2014/main" id="{B8A70E5C-1062-9B36-DBD0-CAE6A335E694}"/>
+                <a16:creationId xmlns:a16="http://schemas.microsoft.com/office/drawing/2014/main" id="{66FB908A-F3A4-0FAA-EABE-848D5A92DCE2}"/>
               </a:ext>
             </a:extLst>
           </p:cNvPr>
@@ -2100,7 +2100,7 @@
           <p:cNvPr id="4" name="灯片编号占位符 3">
             <a:extLst>
               <a:ext uri="{FF2B5EF4-FFF2-40B4-BE49-F238E27FC236}">
-                <a16:creationId xmlns:a16="http://schemas.microsoft.com/office/drawing/2014/main" id="{035A7E9F-A326-66D0-5329-57297DDD4925}"/>
+                <a16:creationId xmlns:a16="http://schemas.microsoft.com/office/drawing/2014/main" id="{59E0395B-F8F9-5259-329E-02C8ADEFED40}"/>
               </a:ext>
             </a:extLst>
           </p:cNvPr>
@@ -2116,7 +2116,7 @@
           <a:bodyPr/>
           <a:lstStyle/>
           <a:p>
-            <a:fld id="{52067785-61A4-434A-A75F-BE5370DC0B83}" type="slidenum">
+            <a:fld id="{045E67DD-6B79-42BB-85E0-A8C5E32A9487}" type="slidenum">
               <a:rPr lang="zh-CN" altLang="en-US" smtClean="0"/>
               <a:t>‹#›</a:t>
             </a:fld>
@@ -2127,7 +2127,7 @@
     </p:spTree>
     <p:extLst>
       <p:ext uri="{BB962C8B-B14F-4D97-AF65-F5344CB8AC3E}">
-        <p14:creationId xmlns:p14="http://schemas.microsoft.com/office/powerpoint/2010/main" val="1083705261"/>
+        <p14:creationId xmlns:p14="http://schemas.microsoft.com/office/powerpoint/2010/main" val="1880926082"/>
       </p:ext>
     </p:extLst>
   </p:cSld>
@@ -2159,7 +2159,7 @@
           <p:cNvPr id="2" name="标题 1">
             <a:extLst>
               <a:ext uri="{FF2B5EF4-FFF2-40B4-BE49-F238E27FC236}">
-                <a16:creationId xmlns:a16="http://schemas.microsoft.com/office/drawing/2014/main" id="{DF464327-C728-DAFA-C78A-8CCD0B781090}"/>
+                <a16:creationId xmlns:a16="http://schemas.microsoft.com/office/drawing/2014/main" id="{DECC04AC-D8E7-64C6-B5DC-569FE2EDEE74}"/>
               </a:ext>
             </a:extLst>
           </p:cNvPr>
@@ -2196,7 +2196,7 @@
           <p:cNvPr id="3" name="内容占位符 2">
             <a:extLst>
               <a:ext uri="{FF2B5EF4-FFF2-40B4-BE49-F238E27FC236}">
-                <a16:creationId xmlns:a16="http://schemas.microsoft.com/office/drawing/2014/main" id="{B99DA59C-98ED-CC56-98A7-E878BC3B41FC}"/>
+                <a16:creationId xmlns:a16="http://schemas.microsoft.com/office/drawing/2014/main" id="{2E181DFE-1DFA-F80E-987B-3A1A333BBEE2}"/>
               </a:ext>
             </a:extLst>
           </p:cNvPr>
@@ -2286,7 +2286,7 @@
           <p:cNvPr id="4" name="文本占位符 3">
             <a:extLst>
               <a:ext uri="{FF2B5EF4-FFF2-40B4-BE49-F238E27FC236}">
-                <a16:creationId xmlns:a16="http://schemas.microsoft.com/office/drawing/2014/main" id="{4985CE2D-178F-167E-4331-0F281842E404}"/>
+                <a16:creationId xmlns:a16="http://schemas.microsoft.com/office/drawing/2014/main" id="{17C5B35B-F710-1651-C0E9-01D82E794452}"/>
               </a:ext>
             </a:extLst>
           </p:cNvPr>
@@ -2357,7 +2357,7 @@
           <p:cNvPr id="5" name="日期占位符 4">
             <a:extLst>
               <a:ext uri="{FF2B5EF4-FFF2-40B4-BE49-F238E27FC236}">
-                <a16:creationId xmlns:a16="http://schemas.microsoft.com/office/drawing/2014/main" id="{0A49C9C4-6B81-6C06-326C-A5090579C7CB}"/>
+                <a16:creationId xmlns:a16="http://schemas.microsoft.com/office/drawing/2014/main" id="{49A9BA1A-30DD-DD77-0D49-AA7C9984143F}"/>
               </a:ext>
             </a:extLst>
           </p:cNvPr>
@@ -2373,7 +2373,7 @@
           <a:bodyPr/>
           <a:lstStyle/>
           <a:p>
-            <a:fld id="{39F6A382-C116-45C4-A0DD-F5636DFC3E3B}" type="datetimeFigureOut">
+            <a:fld id="{AD7792FA-5F4B-4AE7-80D8-266D25BC9378}" type="datetimeFigureOut">
               <a:rPr lang="zh-CN" altLang="en-US" smtClean="0"/>
               <a:t>2024/3/10</a:t>
             </a:fld>
@@ -2386,7 +2386,7 @@
           <p:cNvPr id="6" name="页脚占位符 5">
             <a:extLst>
               <a:ext uri="{FF2B5EF4-FFF2-40B4-BE49-F238E27FC236}">
-                <a16:creationId xmlns:a16="http://schemas.microsoft.com/office/drawing/2014/main" id="{14DEF584-316B-9D82-29A3-149E384B3673}"/>
+                <a16:creationId xmlns:a16="http://schemas.microsoft.com/office/drawing/2014/main" id="{422869BE-9483-4FCC-C0ED-54DFBDD81848}"/>
               </a:ext>
             </a:extLst>
           </p:cNvPr>
@@ -2411,7 +2411,7 @@
           <p:cNvPr id="7" name="灯片编号占位符 6">
             <a:extLst>
               <a:ext uri="{FF2B5EF4-FFF2-40B4-BE49-F238E27FC236}">
-                <a16:creationId xmlns:a16="http://schemas.microsoft.com/office/drawing/2014/main" id="{E9C74424-F3D4-6C8C-3759-5C1A5F1B8DD1}"/>
+                <a16:creationId xmlns:a16="http://schemas.microsoft.com/office/drawing/2014/main" id="{E0EA6547-A70D-1EA4-730B-EEDC0D6ADBF6}"/>
               </a:ext>
             </a:extLst>
           </p:cNvPr>
@@ -2427,7 +2427,7 @@
           <a:bodyPr/>
           <a:lstStyle/>
           <a:p>
-            <a:fld id="{52067785-61A4-434A-A75F-BE5370DC0B83}" type="slidenum">
+            <a:fld id="{045E67DD-6B79-42BB-85E0-A8C5E32A9487}" type="slidenum">
               <a:rPr lang="zh-CN" altLang="en-US" smtClean="0"/>
               <a:t>‹#›</a:t>
             </a:fld>
@@ -2438,7 +2438,7 @@
     </p:spTree>
     <p:extLst>
       <p:ext uri="{BB962C8B-B14F-4D97-AF65-F5344CB8AC3E}">
-        <p14:creationId xmlns:p14="http://schemas.microsoft.com/office/powerpoint/2010/main" val="305307238"/>
+        <p14:creationId xmlns:p14="http://schemas.microsoft.com/office/powerpoint/2010/main" val="746809980"/>
       </p:ext>
     </p:extLst>
   </p:cSld>
@@ -2470,7 +2470,7 @@
           <p:cNvPr id="2" name="标题 1">
             <a:extLst>
               <a:ext uri="{FF2B5EF4-FFF2-40B4-BE49-F238E27FC236}">
-                <a16:creationId xmlns:a16="http://schemas.microsoft.com/office/drawing/2014/main" id="{268D6058-5CB0-4E12-D68B-BEBF7FE0B12E}"/>
+                <a16:creationId xmlns:a16="http://schemas.microsoft.com/office/drawing/2014/main" id="{4B471E51-0273-8E00-9897-75AF5790BC77}"/>
               </a:ext>
             </a:extLst>
           </p:cNvPr>
@@ -2507,7 +2507,7 @@
           <p:cNvPr id="3" name="图片占位符 2">
             <a:extLst>
               <a:ext uri="{FF2B5EF4-FFF2-40B4-BE49-F238E27FC236}">
-                <a16:creationId xmlns:a16="http://schemas.microsoft.com/office/drawing/2014/main" id="{75D18A59-516B-E9E8-AE0D-62D6BF8C7F48}"/>
+                <a16:creationId xmlns:a16="http://schemas.microsoft.com/office/drawing/2014/main" id="{FF0B6719-BB57-0611-9744-BAC6DAF563F0}"/>
               </a:ext>
             </a:extLst>
           </p:cNvPr>
@@ -2574,7 +2574,7 @@
           <p:cNvPr id="4" name="文本占位符 3">
             <a:extLst>
               <a:ext uri="{FF2B5EF4-FFF2-40B4-BE49-F238E27FC236}">
-                <a16:creationId xmlns:a16="http://schemas.microsoft.com/office/drawing/2014/main" id="{4590FC7B-5068-4762-BEA2-D74A0EDE1BE9}"/>
+                <a16:creationId xmlns:a16="http://schemas.microsoft.com/office/drawing/2014/main" id="{CF4F2F2C-2A51-CB40-2C29-6D66112529FD}"/>
               </a:ext>
             </a:extLst>
           </p:cNvPr>
@@ -2645,7 +2645,7 @@
           <p:cNvPr id="5" name="日期占位符 4">
             <a:extLst>
               <a:ext uri="{FF2B5EF4-FFF2-40B4-BE49-F238E27FC236}">
-                <a16:creationId xmlns:a16="http://schemas.microsoft.com/office/drawing/2014/main" id="{3904BB54-086B-17C8-A24D-003E8F8CAE40}"/>
+                <a16:creationId xmlns:a16="http://schemas.microsoft.com/office/drawing/2014/main" id="{98ED945E-97FD-D6A2-DBD3-70D245B6163F}"/>
               </a:ext>
             </a:extLst>
           </p:cNvPr>
@@ -2661,7 +2661,7 @@
           <a:bodyPr/>
           <a:lstStyle/>
           <a:p>
-            <a:fld id="{39F6A382-C116-45C4-A0DD-F5636DFC3E3B}" type="datetimeFigureOut">
+            <a:fld id="{AD7792FA-5F4B-4AE7-80D8-266D25BC9378}" type="datetimeFigureOut">
               <a:rPr lang="zh-CN" altLang="en-US" smtClean="0"/>
               <a:t>2024/3/10</a:t>
             </a:fld>
@@ -2674,7 +2674,7 @@
           <p:cNvPr id="6" name="页脚占位符 5">
             <a:extLst>
               <a:ext uri="{FF2B5EF4-FFF2-40B4-BE49-F238E27FC236}">
-                <a16:creationId xmlns:a16="http://schemas.microsoft.com/office/drawing/2014/main" id="{A63FF4A3-18FA-2072-3ED0-5DA39EBC2A21}"/>
+                <a16:creationId xmlns:a16="http://schemas.microsoft.com/office/drawing/2014/main" id="{4F7D2AFF-4C7F-216A-F068-9BD5CA792828}"/>
               </a:ext>
             </a:extLst>
           </p:cNvPr>
@@ -2699,7 +2699,7 @@
           <p:cNvPr id="7" name="灯片编号占位符 6">
             <a:extLst>
               <a:ext uri="{FF2B5EF4-FFF2-40B4-BE49-F238E27FC236}">
-                <a16:creationId xmlns:a16="http://schemas.microsoft.com/office/drawing/2014/main" id="{B4B9BD99-7969-9B8A-67A2-7EC3957DE623}"/>
+                <a16:creationId xmlns:a16="http://schemas.microsoft.com/office/drawing/2014/main" id="{F36976D9-9F37-C7F8-A959-246B10657BE6}"/>
               </a:ext>
             </a:extLst>
           </p:cNvPr>
@@ -2715,7 +2715,7 @@
           <a:bodyPr/>
           <a:lstStyle/>
           <a:p>
-            <a:fld id="{52067785-61A4-434A-A75F-BE5370DC0B83}" type="slidenum">
+            <a:fld id="{045E67DD-6B79-42BB-85E0-A8C5E32A9487}" type="slidenum">
               <a:rPr lang="zh-CN" altLang="en-US" smtClean="0"/>
               <a:t>‹#›</a:t>
             </a:fld>
@@ -2726,7 +2726,7 @@
     </p:spTree>
     <p:extLst>
       <p:ext uri="{BB962C8B-B14F-4D97-AF65-F5344CB8AC3E}">
-        <p14:creationId xmlns:p14="http://schemas.microsoft.com/office/powerpoint/2010/main" val="220565901"/>
+        <p14:creationId xmlns:p14="http://schemas.microsoft.com/office/powerpoint/2010/main" val="891139655"/>
       </p:ext>
     </p:extLst>
   </p:cSld>
@@ -2763,7 +2763,7 @@
           <p:cNvPr id="2" name="标题占位符 1">
             <a:extLst>
               <a:ext uri="{FF2B5EF4-FFF2-40B4-BE49-F238E27FC236}">
-                <a16:creationId xmlns:a16="http://schemas.microsoft.com/office/drawing/2014/main" id="{F6C77082-2AA0-D00C-7A8C-11502D492E44}"/>
+                <a16:creationId xmlns:a16="http://schemas.microsoft.com/office/drawing/2014/main" id="{E64777BF-A776-2453-49A9-8767771968BE}"/>
               </a:ext>
             </a:extLst>
           </p:cNvPr>
@@ -2801,7 +2801,7 @@
           <p:cNvPr id="3" name="文本占位符 2">
             <a:extLst>
               <a:ext uri="{FF2B5EF4-FFF2-40B4-BE49-F238E27FC236}">
-                <a16:creationId xmlns:a16="http://schemas.microsoft.com/office/drawing/2014/main" id="{6A7257EC-B99F-59AE-C413-E7EA2C6DA260}"/>
+                <a16:creationId xmlns:a16="http://schemas.microsoft.com/office/drawing/2014/main" id="{9BFE97D6-3A1E-034B-4F66-F1D9C9A8F1A5}"/>
               </a:ext>
             </a:extLst>
           </p:cNvPr>
@@ -2868,7 +2868,7 @@
           <p:cNvPr id="4" name="日期占位符 3">
             <a:extLst>
               <a:ext uri="{FF2B5EF4-FFF2-40B4-BE49-F238E27FC236}">
-                <a16:creationId xmlns:a16="http://schemas.microsoft.com/office/drawing/2014/main" id="{47679EF5-3D5A-C11F-9996-A6F881F20DB6}"/>
+                <a16:creationId xmlns:a16="http://schemas.microsoft.com/office/drawing/2014/main" id="{5FDA9D9B-FFE1-9BCF-9F0D-D21864FF9D9C}"/>
               </a:ext>
             </a:extLst>
           </p:cNvPr>
@@ -2902,7 +2902,7 @@
             </a:lvl1pPr>
           </a:lstStyle>
           <a:p>
-            <a:fld id="{39F6A382-C116-45C4-A0DD-F5636DFC3E3B}" type="datetimeFigureOut">
+            <a:fld id="{AD7792FA-5F4B-4AE7-80D8-266D25BC9378}" type="datetimeFigureOut">
               <a:rPr lang="zh-CN" altLang="en-US" smtClean="0"/>
               <a:t>2024/3/10</a:t>
             </a:fld>
@@ -2915,7 +2915,7 @@
           <p:cNvPr id="5" name="页脚占位符 4">
             <a:extLst>
               <a:ext uri="{FF2B5EF4-FFF2-40B4-BE49-F238E27FC236}">
-                <a16:creationId xmlns:a16="http://schemas.microsoft.com/office/drawing/2014/main" id="{98CA31B6-BD87-1FF5-02A7-6C35C9B18DC3}"/>
+                <a16:creationId xmlns:a16="http://schemas.microsoft.com/office/drawing/2014/main" id="{095F4784-BFC6-812B-1A08-CE2DFB098BA4}"/>
               </a:ext>
             </a:extLst>
           </p:cNvPr>
@@ -2958,7 +2958,7 @@
           <p:cNvPr id="6" name="灯片编号占位符 5">
             <a:extLst>
               <a:ext uri="{FF2B5EF4-FFF2-40B4-BE49-F238E27FC236}">
-                <a16:creationId xmlns:a16="http://schemas.microsoft.com/office/drawing/2014/main" id="{EF634F2D-D506-A7F2-ED7C-DD9DDAA0FABE}"/>
+                <a16:creationId xmlns:a16="http://schemas.microsoft.com/office/drawing/2014/main" id="{422202E2-2BFA-F6F4-4463-5963D8FEB741}"/>
               </a:ext>
             </a:extLst>
           </p:cNvPr>
@@ -2992,7 +2992,7 @@
             </a:lvl1pPr>
           </a:lstStyle>
           <a:p>
-            <a:fld id="{52067785-61A4-434A-A75F-BE5370DC0B83}" type="slidenum">
+            <a:fld id="{045E67DD-6B79-42BB-85E0-A8C5E32A9487}" type="slidenum">
               <a:rPr lang="zh-CN" altLang="en-US" smtClean="0"/>
               <a:t>‹#›</a:t>
             </a:fld>
@@ -3003,7 +3003,7 @@
     </p:spTree>
     <p:extLst>
       <p:ext uri="{BB962C8B-B14F-4D97-AF65-F5344CB8AC3E}">
-        <p14:creationId xmlns:p14="http://schemas.microsoft.com/office/powerpoint/2010/main" val="2232690158"/>
+        <p14:creationId xmlns:p14="http://schemas.microsoft.com/office/powerpoint/2010/main" val="2486659120"/>
       </p:ext>
     </p:extLst>
   </p:cSld>
@@ -3323,7 +3323,7 @@
       </p:grpSpPr>
       <p:pic>
         <p:nvPicPr>
-          <p:cNvPr id="1297410" name="Picture 2" descr="1266"/>
+          <p:cNvPr id="1298434" name="Picture 2" descr="1267"/>
           <p:cNvPicPr>
             <a:picLocks noChangeAspect="1" noChangeArrowheads="1"/>
           </p:cNvPicPr>
@@ -3345,7 +3345,7 @@
         <p:spPr bwMode="auto">
           <a:xfrm>
             <a:off x="1524000" y="0"/>
-            <a:ext cx="9144000" cy="6858000"/>
+            <a:ext cx="9144000" cy="6465888"/>
           </a:xfrm>
           <a:prstGeom prst="rect">
             <a:avLst/>
